--- a/CAPSTONE PROJECT REVIEW 1.pptx
+++ b/CAPSTONE PROJECT REVIEW 1.pptx
@@ -223,7 +223,7 @@
           <a:p>
             <a:fld id="{9D85B690-DA12-4685-B421-55013345D842}" type="datetimeFigureOut">
               <a:rPr lang="en-US" smtClean="0"/>
-              <a:t>11/24/2022</a:t>
+              <a:t>4/19/2023</a:t>
             </a:fld>
             <a:endParaRPr lang="en-US"/>
           </a:p>
@@ -389,7 +389,7 @@
           <a:p>
             <a:fld id="{46F41E90-DF02-4DDB-A645-EE4BD71F0959}" type="datetimeFigureOut">
               <a:rPr lang="en-IN" smtClean="0"/>
-              <a:t>24-11-2022</a:t>
+              <a:t>19-04-2023</a:t>
             </a:fld>
             <a:endParaRPr lang="en-IN"/>
           </a:p>
@@ -1029,7 +1029,7 @@
           <a:p>
             <a:fld id="{11E838E9-EAE7-4E4D-B3AA-1A963142A757}" type="datetime1">
               <a:rPr lang="en-IN" smtClean="0"/>
-              <a:t>24-11-2022</a:t>
+              <a:t>19-04-2023</a:t>
             </a:fld>
             <a:endParaRPr lang="en-IN"/>
           </a:p>
@@ -1203,7 +1203,7 @@
           <a:p>
             <a:fld id="{AF1DB0ED-F56E-4B51-8B1B-62E0A53DD30D}" type="datetime1">
               <a:rPr lang="en-IN" smtClean="0"/>
-              <a:t>24-11-2022</a:t>
+              <a:t>19-04-2023</a:t>
             </a:fld>
             <a:endParaRPr lang="en-IN"/>
           </a:p>
@@ -1387,7 +1387,7 @@
           <a:p>
             <a:fld id="{2988E2A2-003B-4659-AECA-91936C3457EC}" type="datetime1">
               <a:rPr lang="en-IN" smtClean="0"/>
-              <a:t>24-11-2022</a:t>
+              <a:t>19-04-2023</a:t>
             </a:fld>
             <a:endParaRPr lang="en-IN"/>
           </a:p>
@@ -1561,7 +1561,7 @@
           <a:p>
             <a:fld id="{28DAB1BE-DDCB-4C4D-951E-3E409B041F84}" type="datetime1">
               <a:rPr lang="en-IN" smtClean="0"/>
-              <a:t>24-11-2022</a:t>
+              <a:t>19-04-2023</a:t>
             </a:fld>
             <a:endParaRPr lang="en-IN"/>
           </a:p>
@@ -1811,7 +1811,7 @@
           <a:p>
             <a:fld id="{66741BB7-179C-4423-B1E4-4E3138585C0C}" type="datetime1">
               <a:rPr lang="en-IN" smtClean="0"/>
-              <a:t>24-11-2022</a:t>
+              <a:t>19-04-2023</a:t>
             </a:fld>
             <a:endParaRPr lang="en-IN"/>
           </a:p>
@@ -2047,7 +2047,7 @@
           <a:p>
             <a:fld id="{1EAE8D12-AF31-46C7-BBA6-E3C5B7D7AFEB}" type="datetime1">
               <a:rPr lang="en-IN" smtClean="0"/>
-              <a:t>24-11-2022</a:t>
+              <a:t>19-04-2023</a:t>
             </a:fld>
             <a:endParaRPr lang="en-IN"/>
           </a:p>
@@ -2418,7 +2418,7 @@
           <a:p>
             <a:fld id="{028DCE10-DDCD-469B-A16C-0144B564B405}" type="datetime1">
               <a:rPr lang="en-IN" smtClean="0"/>
-              <a:t>24-11-2022</a:t>
+              <a:t>19-04-2023</a:t>
             </a:fld>
             <a:endParaRPr lang="en-IN"/>
           </a:p>
@@ -2540,7 +2540,7 @@
           <a:p>
             <a:fld id="{556F0B93-B69F-4E23-8415-85435954A82A}" type="datetime1">
               <a:rPr lang="en-IN" smtClean="0"/>
-              <a:t>24-11-2022</a:t>
+              <a:t>19-04-2023</a:t>
             </a:fld>
             <a:endParaRPr lang="en-IN"/>
           </a:p>
@@ -2639,7 +2639,7 @@
           <a:p>
             <a:fld id="{02BE480A-B3D3-46A0-8603-32CC32B0DD85}" type="datetime1">
               <a:rPr lang="en-IN" smtClean="0"/>
-              <a:t>24-11-2022</a:t>
+              <a:t>19-04-2023</a:t>
             </a:fld>
             <a:endParaRPr lang="en-IN"/>
           </a:p>
@@ -2920,7 +2920,7 @@
           <a:p>
             <a:fld id="{728E2360-8943-4F3C-87D9-9C833B5C738F}" type="datetime1">
               <a:rPr lang="en-IN" smtClean="0"/>
-              <a:t>24-11-2022</a:t>
+              <a:t>19-04-2023</a:t>
             </a:fld>
             <a:endParaRPr lang="en-IN"/>
           </a:p>
@@ -3177,7 +3177,7 @@
           <a:p>
             <a:fld id="{1C760D9C-A744-40F9-A8C1-6334E3B3FAA4}" type="datetime1">
               <a:rPr lang="en-IN" smtClean="0"/>
-              <a:t>24-11-2022</a:t>
+              <a:t>19-04-2023</a:t>
             </a:fld>
             <a:endParaRPr lang="en-IN"/>
           </a:p>
@@ -3394,7 +3394,7 @@
           <a:p>
             <a:fld id="{B07534E3-81F7-4351-A3EA-2D7B4D65422C}" type="datetime1">
               <a:rPr lang="en-IN" smtClean="0"/>
-              <a:t>24-11-2022</a:t>
+              <a:t>19-04-2023</a:t>
             </a:fld>
             <a:endParaRPr lang="en-IN"/>
           </a:p>
